--- a/PalMod2022/docs/ppt/6.6_time_variables.pptx
+++ b/PalMod2022/docs/ppt/6.6_time_variables.pptx
@@ -244,7 +244,7 @@
           <a:p>
             <a:fld id="{6A96EA6E-A9F3-40C8-A047-16E35C64F658}" type="datetimeFigureOut">
               <a:rPr lang="tr-TR" smtClean="0"/>
-              <a:t>18.04.2022</a:t>
+              <a:t>19.04.2022</a:t>
             </a:fld>
             <a:endParaRPr lang="tr-TR"/>
           </a:p>
@@ -414,7 +414,7 @@
           <a:p>
             <a:fld id="{6A96EA6E-A9F3-40C8-A047-16E35C64F658}" type="datetimeFigureOut">
               <a:rPr lang="tr-TR" smtClean="0"/>
-              <a:t>18.04.2022</a:t>
+              <a:t>19.04.2022</a:t>
             </a:fld>
             <a:endParaRPr lang="tr-TR"/>
           </a:p>
@@ -594,7 +594,7 @@
           <a:p>
             <a:fld id="{6A96EA6E-A9F3-40C8-A047-16E35C64F658}" type="datetimeFigureOut">
               <a:rPr lang="tr-TR" smtClean="0"/>
-              <a:t>18.04.2022</a:t>
+              <a:t>19.04.2022</a:t>
             </a:fld>
             <a:endParaRPr lang="tr-TR"/>
           </a:p>
@@ -764,7 +764,7 @@
           <a:p>
             <a:fld id="{6A96EA6E-A9F3-40C8-A047-16E35C64F658}" type="datetimeFigureOut">
               <a:rPr lang="tr-TR" smtClean="0"/>
-              <a:t>18.04.2022</a:t>
+              <a:t>19.04.2022</a:t>
             </a:fld>
             <a:endParaRPr lang="tr-TR"/>
           </a:p>
@@ -1010,7 +1010,7 @@
           <a:p>
             <a:fld id="{6A96EA6E-A9F3-40C8-A047-16E35C64F658}" type="datetimeFigureOut">
               <a:rPr lang="tr-TR" smtClean="0"/>
-              <a:t>18.04.2022</a:t>
+              <a:t>19.04.2022</a:t>
             </a:fld>
             <a:endParaRPr lang="tr-TR"/>
           </a:p>
@@ -1242,7 +1242,7 @@
           <a:p>
             <a:fld id="{6A96EA6E-A9F3-40C8-A047-16E35C64F658}" type="datetimeFigureOut">
               <a:rPr lang="tr-TR" smtClean="0"/>
-              <a:t>18.04.2022</a:t>
+              <a:t>19.04.2022</a:t>
             </a:fld>
             <a:endParaRPr lang="tr-TR"/>
           </a:p>
@@ -1609,7 +1609,7 @@
           <a:p>
             <a:fld id="{6A96EA6E-A9F3-40C8-A047-16E35C64F658}" type="datetimeFigureOut">
               <a:rPr lang="tr-TR" smtClean="0"/>
-              <a:t>18.04.2022</a:t>
+              <a:t>19.04.2022</a:t>
             </a:fld>
             <a:endParaRPr lang="tr-TR"/>
           </a:p>
@@ -1727,7 +1727,7 @@
           <a:p>
             <a:fld id="{6A96EA6E-A9F3-40C8-A047-16E35C64F658}" type="datetimeFigureOut">
               <a:rPr lang="tr-TR" smtClean="0"/>
-              <a:t>18.04.2022</a:t>
+              <a:t>19.04.2022</a:t>
             </a:fld>
             <a:endParaRPr lang="tr-TR"/>
           </a:p>
@@ -1822,7 +1822,7 @@
           <a:p>
             <a:fld id="{6A96EA6E-A9F3-40C8-A047-16E35C64F658}" type="datetimeFigureOut">
               <a:rPr lang="tr-TR" smtClean="0"/>
-              <a:t>18.04.2022</a:t>
+              <a:t>19.04.2022</a:t>
             </a:fld>
             <a:endParaRPr lang="tr-TR"/>
           </a:p>
@@ -2099,7 +2099,7 @@
           <a:p>
             <a:fld id="{6A96EA6E-A9F3-40C8-A047-16E35C64F658}" type="datetimeFigureOut">
               <a:rPr lang="tr-TR" smtClean="0"/>
-              <a:t>18.04.2022</a:t>
+              <a:t>19.04.2022</a:t>
             </a:fld>
             <a:endParaRPr lang="tr-TR"/>
           </a:p>
@@ -2352,7 +2352,7 @@
           <a:p>
             <a:fld id="{6A96EA6E-A9F3-40C8-A047-16E35C64F658}" type="datetimeFigureOut">
               <a:rPr lang="tr-TR" smtClean="0"/>
-              <a:t>18.04.2022</a:t>
+              <a:t>19.04.2022</a:t>
             </a:fld>
             <a:endParaRPr lang="tr-TR"/>
           </a:p>
@@ -2565,7 +2565,7 @@
           <a:p>
             <a:fld id="{6A96EA6E-A9F3-40C8-A047-16E35C64F658}" type="datetimeFigureOut">
               <a:rPr lang="tr-TR" smtClean="0"/>
-              <a:t>18.04.2022</a:t>
+              <a:t>19.04.2022</a:t>
             </a:fld>
             <a:endParaRPr lang="tr-TR"/>
           </a:p>
@@ -4238,8 +4238,8 @@
           <a:lstStyle/>
           <a:p>
             <a:r>
-              <a:rPr lang="en-GB" sz="1400" b="1" dirty="0" err="1"/>
-              <a:t>fesom_runscript.yaml</a:t>
+              <a:rPr lang="en-GB" sz="1400" b="1" dirty="0"/>
+              <a:t>fesom-2.1.yaml</a:t>
             </a:r>
             <a:endParaRPr lang="en-GB" sz="1400" b="1" dirty="0">
               <a:solidFill>
